--- a/tests/data/pptx_template.pptx
+++ b/tests/data/pptx_template.pptx
@@ -465,7 +465,7 @@
 </file>
 
 <file path=ppt/slideLayouts/slideLayout1.xml><?xml version="1.0" encoding="utf-8"?>
-<p:sldLayout xmlns:a="http://schemas.openxmlformats.org/drawingml/2006/main" xmlns:r="http://schemas.openxmlformats.org/officeDocument/2006/relationships" xmlns:p="http://schemas.openxmlformats.org/presentationml/2006/main" preserve="1" userDrawn="1">
+<p:sldLayout xmlns:a="http://schemas.openxmlformats.org/drawingml/2006/main" xmlns:ns2="http://schemas.microsoft.com/office/drawing/2014/main" xmlns:ns3="http://schemas.microsoft.com/office/powerpoint/2010/main" xmlns:p="http://schemas.openxmlformats.org/presentationml/2006/main" preserve="1" userDrawn="1">
   <p:cSld name="manuscript2slides">
     <p:spTree>
       <p:nvGrpSpPr>
@@ -486,7 +486,7 @@
           <p:cNvPr id="3" name="Date Placeholder 2">
             <a:extLst>
               <a:ext uri="{FF2B5EF4-FFF2-40B4-BE49-F238E27FC236}">
-                <a16:creationId xmlns:a16="http://schemas.microsoft.com/office/drawing/2014/main" id="{8000513D-E995-1B16-AB26-1B43B826593E}"/>
+                <ns2:creationId id="{8000513D-E995-1B16-AB26-1B43B826593E}"/>
               </a:ext>
             </a:extLst>
           </p:cNvPr>
@@ -515,7 +515,7 @@
           <p:cNvPr id="4" name="Footer Placeholder 3">
             <a:extLst>
               <a:ext uri="{FF2B5EF4-FFF2-40B4-BE49-F238E27FC236}">
-                <a16:creationId xmlns:a16="http://schemas.microsoft.com/office/drawing/2014/main" id="{CD19D53E-B87C-FF06-8D45-A5FA5C879B99}"/>
+                <ns2:creationId id="{CD19D53E-B87C-FF06-8D45-A5FA5C879B99}"/>
               </a:ext>
             </a:extLst>
           </p:cNvPr>
@@ -540,7 +540,7 @@
           <p:cNvPr id="5" name="Slide Number Placeholder 4">
             <a:extLst>
               <a:ext uri="{FF2B5EF4-FFF2-40B4-BE49-F238E27FC236}">
-                <a16:creationId xmlns:a16="http://schemas.microsoft.com/office/drawing/2014/main" id="{629E4ABB-0E14-9DCA-53D9-B57B49DA3085}"/>
+                <ns2:creationId id="{629E4ABB-0E14-9DCA-53D9-B57B49DA3085}"/>
               </a:ext>
             </a:extLst>
           </p:cNvPr>
@@ -569,7 +569,7 @@
           <p:cNvPr id="6" name="Content Placeholder 2">
             <a:extLst>
               <a:ext uri="{FF2B5EF4-FFF2-40B4-BE49-F238E27FC236}">
-                <a16:creationId xmlns:a16="http://schemas.microsoft.com/office/drawing/2014/main" id="{25E7AE76-1742-3895-C2A2-0B99FED22B46}"/>
+                <ns2:creationId id="{25E7AE76-1742-3895-C2A2-0B99FED22B46}"/>
               </a:ext>
             </a:extLst>
           </p:cNvPr>
@@ -598,8 +598,8 @@
               <a:buNone/>
               <a:defRPr sz="1800">
                 <a:latin typeface="+mj-lt"/>
-                <a:ea typeface="Bookerly" panose="02020602040305020204" pitchFamily="18" charset="0"/>
-                <a:cs typeface="Bookerly" panose="02020602040305020204" pitchFamily="18" charset="0"/>
+                <a:ea typeface="Times New Roman" panose="02020602040305020204" pitchFamily="18" charset="0"/>
+                <a:cs typeface="Times New Roman" panose="02020602040305020204" pitchFamily="18" charset="0"/>
               </a:defRPr>
             </a:lvl1pPr>
           </a:lstStyle>
@@ -615,7 +615,7 @@
     </p:spTree>
     <p:extLst>
       <p:ext uri="{BB962C8B-B14F-4D97-AF65-F5344CB8AC3E}">
-        <p14:creationId xmlns:p14="http://schemas.microsoft.com/office/powerpoint/2010/main" val="4085609035"/>
+        <ns3:creationId val="4085609035"/>
       </p:ext>
     </p:extLst>
   </p:cSld>
